--- a/Lecture1.pptx
+++ b/Lecture1.pptx
@@ -239,7 +239,7 @@
           <a:p>
             <a:fld id="{48A6D548-5EF1-432C-BDD0-3AE03E31811E}" type="datetimeFigureOut">
               <a:rPr lang="ko-KR" altLang="en-US" smtClean="0"/>
-              <a:t>2019-03-06</a:t>
+              <a:t>2019-03-11</a:t>
             </a:fld>
             <a:endParaRPr lang="ko-KR" altLang="en-US"/>
           </a:p>
@@ -1335,6 +1335,971 @@
 </p:notes>
 </file>
 
+<file path=ppt/notesSlides/notesSlide3.xml><?xml version="1.0" encoding="utf-8"?>
+<p:notes xmlns:a="http://schemas.openxmlformats.org/drawingml/2006/main" xmlns:r="http://schemas.openxmlformats.org/officeDocument/2006/relationships" xmlns:p="http://schemas.openxmlformats.org/presentationml/2006/main">
+  <p:cSld>
+    <p:spTree>
+      <p:nvGrpSpPr>
+        <p:cNvPr id="1" name=""/>
+        <p:cNvGrpSpPr/>
+        <p:nvPr/>
+      </p:nvGrpSpPr>
+      <p:grpSpPr>
+        <a:xfrm>
+          <a:off x="0" y="0"/>
+          <a:ext cx="0" cy="0"/>
+          <a:chOff x="0" y="0"/>
+          <a:chExt cx="0" cy="0"/>
+        </a:xfrm>
+      </p:grpSpPr>
+      <p:sp>
+        <p:nvSpPr>
+          <p:cNvPr id="2" name="슬라이드 이미지 개체 틀 1"/>
+          <p:cNvSpPr>
+            <a:spLocks noGrp="1" noRot="1" noChangeAspect="1"/>
+          </p:cNvSpPr>
+          <p:nvPr>
+            <p:ph type="sldImg"/>
+          </p:nvPr>
+        </p:nvSpPr>
+        <p:spPr/>
+      </p:sp>
+      <p:sp>
+        <p:nvSpPr>
+          <p:cNvPr id="3" name="슬라이드 노트 개체 틀 2"/>
+          <p:cNvSpPr>
+            <a:spLocks noGrp="1"/>
+          </p:cNvSpPr>
+          <p:nvPr>
+            <p:ph type="body" idx="1"/>
+          </p:nvPr>
+        </p:nvSpPr>
+        <p:spPr/>
+        <p:txBody>
+          <a:bodyPr/>
+          <a:lstStyle/>
+          <a:p>
+            <a:r>
+              <a:rPr lang="ko-KR" altLang="en-US" dirty="0"/>
+              <a:t>파이프라인이란 각자 독립적인 일을 하는 프로세서를 </a:t>
+            </a:r>
+            <a:r>
+              <a:rPr lang="ko-KR" altLang="en-US" dirty="0" err="1"/>
+              <a:t>분할되서</a:t>
+            </a:r>
+            <a:r>
+              <a:rPr lang="ko-KR" altLang="en-US" dirty="0"/>
+              <a:t> 진행하게끔 </a:t>
+            </a:r>
+            <a:r>
+              <a:rPr lang="ko-KR" altLang="en-US" dirty="0" err="1"/>
+              <a:t>만들어놓은것</a:t>
+            </a:r>
+            <a:endParaRPr lang="en-US" altLang="ko-KR" dirty="0"/>
+          </a:p>
+          <a:p>
+            <a:endParaRPr lang="ko-KR" altLang="en-US" dirty="0"/>
+          </a:p>
+        </p:txBody>
+      </p:sp>
+      <p:sp>
+        <p:nvSpPr>
+          <p:cNvPr id="4" name="슬라이드 번호 개체 틀 3"/>
+          <p:cNvSpPr>
+            <a:spLocks noGrp="1"/>
+          </p:cNvSpPr>
+          <p:nvPr>
+            <p:ph type="sldNum" sz="quarter" idx="5"/>
+          </p:nvPr>
+        </p:nvSpPr>
+        <p:spPr/>
+        <p:txBody>
+          <a:bodyPr/>
+          <a:lstStyle/>
+          <a:p>
+            <a:fld id="{5D135094-37A2-4EC6-86C3-0685E35C7B8D}" type="slidenum">
+              <a:rPr lang="ko-KR" altLang="en-US" smtClean="0"/>
+              <a:t>15</a:t>
+            </a:fld>
+            <a:endParaRPr lang="ko-KR" altLang="en-US"/>
+          </a:p>
+        </p:txBody>
+      </p:sp>
+    </p:spTree>
+    <p:extLst>
+      <p:ext uri="{BB962C8B-B14F-4D97-AF65-F5344CB8AC3E}">
+        <p14:creationId xmlns:p14="http://schemas.microsoft.com/office/powerpoint/2010/main" val="2876661062"/>
+      </p:ext>
+    </p:extLst>
+  </p:cSld>
+  <p:clrMapOvr>
+    <a:masterClrMapping/>
+  </p:clrMapOvr>
+</p:notes>
+</file>
+
+<file path=ppt/notesSlides/notesSlide4.xml><?xml version="1.0" encoding="utf-8"?>
+<p:notes xmlns:a="http://schemas.openxmlformats.org/drawingml/2006/main" xmlns:r="http://schemas.openxmlformats.org/officeDocument/2006/relationships" xmlns:p="http://schemas.openxmlformats.org/presentationml/2006/main">
+  <p:cSld>
+    <p:spTree>
+      <p:nvGrpSpPr>
+        <p:cNvPr id="1" name=""/>
+        <p:cNvGrpSpPr/>
+        <p:nvPr/>
+      </p:nvGrpSpPr>
+      <p:grpSpPr>
+        <a:xfrm>
+          <a:off x="0" y="0"/>
+          <a:ext cx="0" cy="0"/>
+          <a:chOff x="0" y="0"/>
+          <a:chExt cx="0" cy="0"/>
+        </a:xfrm>
+      </p:grpSpPr>
+      <p:sp>
+        <p:nvSpPr>
+          <p:cNvPr id="2" name="슬라이드 이미지 개체 틀 1"/>
+          <p:cNvSpPr>
+            <a:spLocks noGrp="1" noRot="1" noChangeAspect="1"/>
+          </p:cNvSpPr>
+          <p:nvPr>
+            <p:ph type="sldImg"/>
+          </p:nvPr>
+        </p:nvSpPr>
+        <p:spPr/>
+      </p:sp>
+      <p:sp>
+        <p:nvSpPr>
+          <p:cNvPr id="3" name="슬라이드 노트 개체 틀 2"/>
+          <p:cNvSpPr>
+            <a:spLocks noGrp="1"/>
+          </p:cNvSpPr>
+          <p:nvPr>
+            <p:ph type="body" idx="1"/>
+          </p:nvPr>
+        </p:nvSpPr>
+        <p:spPr/>
+        <p:txBody>
+          <a:bodyPr/>
+          <a:lstStyle/>
+          <a:p>
+            <a:r>
+              <a:rPr lang="ko-KR" altLang="en-US" dirty="0"/>
+              <a:t>입력 </a:t>
+            </a:r>
+            <a:r>
+              <a:rPr lang="en-US" altLang="ko-KR" dirty="0"/>
+              <a:t>– </a:t>
+            </a:r>
+            <a:r>
+              <a:rPr lang="ko-KR" altLang="en-US" dirty="0" err="1"/>
+              <a:t>버텍스</a:t>
+            </a:r>
+            <a:r>
+              <a:rPr lang="ko-KR" altLang="en-US" dirty="0"/>
+              <a:t> </a:t>
+            </a:r>
+            <a:r>
+              <a:rPr lang="en-US" altLang="ko-KR" dirty="0"/>
+              <a:t>, </a:t>
+            </a:r>
+            <a:r>
+              <a:rPr lang="ko-KR" altLang="en-US" dirty="0"/>
+              <a:t>출력 </a:t>
+            </a:r>
+            <a:r>
+              <a:rPr lang="en-US" altLang="ko-KR" dirty="0"/>
+              <a:t>– </a:t>
+            </a:r>
+            <a:r>
+              <a:rPr lang="ko-KR" altLang="en-US" dirty="0" err="1"/>
+              <a:t>버텍스</a:t>
+            </a:r>
+            <a:endParaRPr lang="en-US" altLang="ko-KR" dirty="0"/>
+          </a:p>
+          <a:p>
+            <a:r>
+              <a:rPr lang="ko-KR" altLang="en-US" dirty="0" err="1"/>
+              <a:t>입력갯수</a:t>
+            </a:r>
+            <a:r>
+              <a:rPr lang="ko-KR" altLang="en-US" dirty="0"/>
+              <a:t> </a:t>
+            </a:r>
+            <a:r>
+              <a:rPr lang="en-US" altLang="ko-KR" dirty="0"/>
+              <a:t>1</a:t>
+            </a:r>
+            <a:r>
+              <a:rPr lang="ko-KR" altLang="en-US" dirty="0"/>
+              <a:t>개라면 </a:t>
+            </a:r>
+            <a:r>
+              <a:rPr lang="ko-KR" altLang="en-US" dirty="0" err="1"/>
+              <a:t>출력갯수도</a:t>
+            </a:r>
+            <a:r>
+              <a:rPr lang="ko-KR" altLang="en-US" dirty="0"/>
+              <a:t> </a:t>
+            </a:r>
+            <a:r>
+              <a:rPr lang="en-US" altLang="ko-KR" dirty="0"/>
+              <a:t>1</a:t>
+            </a:r>
+            <a:r>
+              <a:rPr lang="ko-KR" altLang="en-US" dirty="0"/>
+              <a:t>개이다</a:t>
+            </a:r>
+            <a:r>
+              <a:rPr lang="en-US" altLang="ko-KR" dirty="0"/>
+              <a:t>. </a:t>
+            </a:r>
+            <a:r>
+              <a:rPr lang="ko-KR" altLang="en-US" dirty="0"/>
+              <a:t>연산 횟수도 </a:t>
+            </a:r>
+            <a:r>
+              <a:rPr lang="ko-KR" altLang="en-US" dirty="0" err="1"/>
+              <a:t>버텍스갯수에</a:t>
+            </a:r>
+            <a:r>
+              <a:rPr lang="ko-KR" altLang="en-US" dirty="0"/>
+              <a:t> 따라간다</a:t>
+            </a:r>
+            <a:r>
+              <a:rPr lang="en-US" altLang="ko-KR" dirty="0"/>
+              <a:t>.</a:t>
+            </a:r>
+          </a:p>
+          <a:p>
+            <a:r>
+              <a:rPr lang="ko-KR" altLang="en-US" dirty="0" err="1"/>
+              <a:t>버텍스를</a:t>
+            </a:r>
+            <a:r>
+              <a:rPr lang="ko-KR" altLang="en-US" dirty="0"/>
+              <a:t> </a:t>
+            </a:r>
+            <a:r>
+              <a:rPr lang="ko-KR" altLang="en-US" dirty="0" err="1"/>
+              <a:t>옮기는등</a:t>
+            </a:r>
+            <a:r>
+              <a:rPr lang="ko-KR" altLang="en-US" dirty="0"/>
+              <a:t> </a:t>
+            </a:r>
+            <a:r>
+              <a:rPr lang="ko-KR" altLang="en-US" dirty="0" err="1"/>
+              <a:t>작업을한다</a:t>
+            </a:r>
+            <a:r>
+              <a:rPr lang="en-US" altLang="ko-KR" dirty="0"/>
+              <a:t>.</a:t>
+            </a:r>
+          </a:p>
+        </p:txBody>
+      </p:sp>
+      <p:sp>
+        <p:nvSpPr>
+          <p:cNvPr id="4" name="슬라이드 번호 개체 틀 3"/>
+          <p:cNvSpPr>
+            <a:spLocks noGrp="1"/>
+          </p:cNvSpPr>
+          <p:nvPr>
+            <p:ph type="sldNum" sz="quarter" idx="5"/>
+          </p:nvPr>
+        </p:nvSpPr>
+        <p:spPr/>
+        <p:txBody>
+          <a:bodyPr/>
+          <a:lstStyle/>
+          <a:p>
+            <a:fld id="{5D135094-37A2-4EC6-86C3-0685E35C7B8D}" type="slidenum">
+              <a:rPr lang="ko-KR" altLang="en-US" smtClean="0"/>
+              <a:t>16</a:t>
+            </a:fld>
+            <a:endParaRPr lang="ko-KR" altLang="en-US"/>
+          </a:p>
+        </p:txBody>
+      </p:sp>
+    </p:spTree>
+    <p:extLst>
+      <p:ext uri="{BB962C8B-B14F-4D97-AF65-F5344CB8AC3E}">
+        <p14:creationId xmlns:p14="http://schemas.microsoft.com/office/powerpoint/2010/main" val="2320476544"/>
+      </p:ext>
+    </p:extLst>
+  </p:cSld>
+  <p:clrMapOvr>
+    <a:masterClrMapping/>
+  </p:clrMapOvr>
+</p:notes>
+</file>
+
+<file path=ppt/notesSlides/notesSlide5.xml><?xml version="1.0" encoding="utf-8"?>
+<p:notes xmlns:a="http://schemas.openxmlformats.org/drawingml/2006/main" xmlns:r="http://schemas.openxmlformats.org/officeDocument/2006/relationships" xmlns:p="http://schemas.openxmlformats.org/presentationml/2006/main">
+  <p:cSld>
+    <p:spTree>
+      <p:nvGrpSpPr>
+        <p:cNvPr id="1" name=""/>
+        <p:cNvGrpSpPr/>
+        <p:nvPr/>
+      </p:nvGrpSpPr>
+      <p:grpSpPr>
+        <a:xfrm>
+          <a:off x="0" y="0"/>
+          <a:ext cx="0" cy="0"/>
+          <a:chOff x="0" y="0"/>
+          <a:chExt cx="0" cy="0"/>
+        </a:xfrm>
+      </p:grpSpPr>
+      <p:sp>
+        <p:nvSpPr>
+          <p:cNvPr id="2" name="슬라이드 이미지 개체 틀 1"/>
+          <p:cNvSpPr>
+            <a:spLocks noGrp="1" noRot="1" noChangeAspect="1"/>
+          </p:cNvSpPr>
+          <p:nvPr>
+            <p:ph type="sldImg"/>
+          </p:nvPr>
+        </p:nvSpPr>
+        <p:spPr/>
+      </p:sp>
+      <p:sp>
+        <p:nvSpPr>
+          <p:cNvPr id="3" name="슬라이드 노트 개체 틀 2"/>
+          <p:cNvSpPr>
+            <a:spLocks noGrp="1"/>
+          </p:cNvSpPr>
+          <p:nvPr>
+            <p:ph type="body" idx="1"/>
+          </p:nvPr>
+        </p:nvSpPr>
+        <p:spPr/>
+        <p:txBody>
+          <a:bodyPr/>
+          <a:lstStyle/>
+          <a:p>
+            <a:r>
+              <a:rPr lang="ko-KR" altLang="en-US" dirty="0" err="1"/>
+              <a:t>버텍스</a:t>
+            </a:r>
+            <a:r>
+              <a:rPr lang="ko-KR" altLang="en-US" dirty="0"/>
+              <a:t> 트랜스폼 단계에서 진행된 </a:t>
+            </a:r>
+            <a:r>
+              <a:rPr lang="ko-KR" altLang="en-US" dirty="0" err="1"/>
+              <a:t>버텍스들을</a:t>
+            </a:r>
+            <a:r>
+              <a:rPr lang="ko-KR" altLang="en-US" dirty="0"/>
+              <a:t> 기준으로 도형을 만든다</a:t>
+            </a:r>
+            <a:r>
+              <a:rPr lang="en-US" altLang="ko-KR" dirty="0"/>
+              <a:t>. Ex) primitive, line, triangle…</a:t>
+            </a:r>
+          </a:p>
+          <a:p>
+            <a:r>
+              <a:rPr lang="ko-KR" altLang="en-US" dirty="0" err="1"/>
+              <a:t>버텍스들로</a:t>
+            </a:r>
+            <a:r>
+              <a:rPr lang="ko-KR" altLang="en-US" dirty="0"/>
+              <a:t> 화면에 출력할 수 없으니 이 단계에서 실체화를 시켜준다</a:t>
+            </a:r>
+            <a:r>
+              <a:rPr lang="en-US" altLang="ko-KR" dirty="0"/>
+              <a:t>.	</a:t>
+            </a:r>
+          </a:p>
+          <a:p>
+            <a:r>
+              <a:rPr lang="ko-KR" altLang="en-US" dirty="0"/>
+              <a:t>입력 </a:t>
+            </a:r>
+            <a:r>
+              <a:rPr lang="en-US" altLang="ko-KR" dirty="0"/>
+              <a:t>– </a:t>
+            </a:r>
+            <a:r>
+              <a:rPr lang="ko-KR" altLang="en-US" dirty="0" err="1"/>
+              <a:t>버텍스</a:t>
+            </a:r>
+            <a:r>
+              <a:rPr lang="en-US" altLang="ko-KR" dirty="0"/>
+              <a:t>, </a:t>
+            </a:r>
+            <a:r>
+              <a:rPr lang="ko-KR" altLang="en-US" dirty="0"/>
+              <a:t>출력 </a:t>
+            </a:r>
+            <a:r>
+              <a:rPr lang="en-US" altLang="ko-KR" dirty="0"/>
+              <a:t>- </a:t>
+            </a:r>
+            <a:r>
+              <a:rPr lang="ko-KR" altLang="en-US" dirty="0"/>
+              <a:t>도형</a:t>
+            </a:r>
+          </a:p>
+        </p:txBody>
+      </p:sp>
+      <p:sp>
+        <p:nvSpPr>
+          <p:cNvPr id="4" name="슬라이드 번호 개체 틀 3"/>
+          <p:cNvSpPr>
+            <a:spLocks noGrp="1"/>
+          </p:cNvSpPr>
+          <p:nvPr>
+            <p:ph type="sldNum" sz="quarter" idx="5"/>
+          </p:nvPr>
+        </p:nvSpPr>
+        <p:spPr/>
+        <p:txBody>
+          <a:bodyPr/>
+          <a:lstStyle/>
+          <a:p>
+            <a:fld id="{5D135094-37A2-4EC6-86C3-0685E35C7B8D}" type="slidenum">
+              <a:rPr lang="ko-KR" altLang="en-US" smtClean="0"/>
+              <a:t>17</a:t>
+            </a:fld>
+            <a:endParaRPr lang="ko-KR" altLang="en-US"/>
+          </a:p>
+        </p:txBody>
+      </p:sp>
+    </p:spTree>
+    <p:extLst>
+      <p:ext uri="{BB962C8B-B14F-4D97-AF65-F5344CB8AC3E}">
+        <p14:creationId xmlns:p14="http://schemas.microsoft.com/office/powerpoint/2010/main" val="2358410444"/>
+      </p:ext>
+    </p:extLst>
+  </p:cSld>
+  <p:clrMapOvr>
+    <a:masterClrMapping/>
+  </p:clrMapOvr>
+</p:notes>
+</file>
+
+<file path=ppt/notesSlides/notesSlide6.xml><?xml version="1.0" encoding="utf-8"?>
+<p:notes xmlns:a="http://schemas.openxmlformats.org/drawingml/2006/main" xmlns:r="http://schemas.openxmlformats.org/officeDocument/2006/relationships" xmlns:p="http://schemas.openxmlformats.org/presentationml/2006/main">
+  <p:cSld>
+    <p:spTree>
+      <p:nvGrpSpPr>
+        <p:cNvPr id="1" name=""/>
+        <p:cNvGrpSpPr/>
+        <p:nvPr/>
+      </p:nvGrpSpPr>
+      <p:grpSpPr>
+        <a:xfrm>
+          <a:off x="0" y="0"/>
+          <a:ext cx="0" cy="0"/>
+          <a:chOff x="0" y="0"/>
+          <a:chExt cx="0" cy="0"/>
+        </a:xfrm>
+      </p:grpSpPr>
+      <p:sp>
+        <p:nvSpPr>
+          <p:cNvPr id="2" name="슬라이드 이미지 개체 틀 1"/>
+          <p:cNvSpPr>
+            <a:spLocks noGrp="1" noRot="1" noChangeAspect="1"/>
+          </p:cNvSpPr>
+          <p:nvPr>
+            <p:ph type="sldImg"/>
+          </p:nvPr>
+        </p:nvSpPr>
+        <p:spPr/>
+      </p:sp>
+      <p:sp>
+        <p:nvSpPr>
+          <p:cNvPr id="3" name="슬라이드 노트 개체 틀 2"/>
+          <p:cNvSpPr>
+            <a:spLocks noGrp="1"/>
+          </p:cNvSpPr>
+          <p:nvPr>
+            <p:ph type="body" idx="1"/>
+          </p:nvPr>
+        </p:nvSpPr>
+        <p:spPr/>
+        <p:txBody>
+          <a:bodyPr/>
+          <a:lstStyle/>
+          <a:p>
+            <a:r>
+              <a:rPr lang="ko-KR" altLang="en-US" dirty="0"/>
+              <a:t>실체화된 </a:t>
+            </a:r>
+            <a:r>
+              <a:rPr lang="ko-KR" altLang="en-US" dirty="0" err="1"/>
+              <a:t>프리미티브들의</a:t>
+            </a:r>
+            <a:r>
+              <a:rPr lang="ko-KR" altLang="en-US" dirty="0"/>
+              <a:t> </a:t>
+            </a:r>
+            <a:r>
+              <a:rPr lang="ko-KR" altLang="en-US" dirty="0" err="1"/>
+              <a:t>안에를</a:t>
+            </a:r>
+            <a:r>
+              <a:rPr lang="ko-KR" altLang="en-US" dirty="0"/>
+              <a:t> 채우는 과정</a:t>
+            </a:r>
+            <a:endParaRPr lang="en-US" altLang="ko-KR" dirty="0"/>
+          </a:p>
+          <a:p>
+            <a:r>
+              <a:rPr lang="ko-KR" altLang="en-US" dirty="0"/>
+              <a:t>전 단계에서 </a:t>
+            </a:r>
+            <a:r>
+              <a:rPr lang="ko-KR" altLang="en-US" dirty="0" err="1"/>
+              <a:t>프리미티브로</a:t>
+            </a:r>
+            <a:r>
+              <a:rPr lang="ko-KR" altLang="en-US" dirty="0"/>
+              <a:t> 구성했다면 </a:t>
+            </a:r>
+            <a:r>
+              <a:rPr lang="ko-KR" altLang="en-US" dirty="0" err="1"/>
+              <a:t>안에를</a:t>
+            </a:r>
+            <a:r>
+              <a:rPr lang="ko-KR" altLang="en-US" dirty="0"/>
+              <a:t> 채워줘야 화면상에 실체화가 가능하다</a:t>
+            </a:r>
+            <a:r>
+              <a:rPr lang="en-US" altLang="ko-KR" dirty="0"/>
+              <a:t>.</a:t>
+            </a:r>
+          </a:p>
+          <a:p>
+            <a:r>
+              <a:rPr lang="ko-KR" altLang="en-US" dirty="0"/>
+              <a:t>가공하기전에 </a:t>
+            </a:r>
+            <a:r>
+              <a:rPr lang="ko-KR" altLang="en-US" dirty="0" err="1"/>
+              <a:t>프리미티브를</a:t>
+            </a:r>
+            <a:r>
+              <a:rPr lang="ko-KR" altLang="en-US" dirty="0"/>
+              <a:t> </a:t>
+            </a:r>
+            <a:r>
+              <a:rPr lang="ko-KR" altLang="en-US" dirty="0" err="1"/>
+              <a:t>프래그먼트라고한다</a:t>
+            </a:r>
+            <a:r>
+              <a:rPr lang="en-US" altLang="ko-KR" dirty="0"/>
+              <a:t>.</a:t>
+            </a:r>
+            <a:endParaRPr lang="ko-KR" altLang="en-US" dirty="0"/>
+          </a:p>
+        </p:txBody>
+      </p:sp>
+      <p:sp>
+        <p:nvSpPr>
+          <p:cNvPr id="4" name="슬라이드 번호 개체 틀 3"/>
+          <p:cNvSpPr>
+            <a:spLocks noGrp="1"/>
+          </p:cNvSpPr>
+          <p:nvPr>
+            <p:ph type="sldNum" sz="quarter" idx="5"/>
+          </p:nvPr>
+        </p:nvSpPr>
+        <p:spPr/>
+        <p:txBody>
+          <a:bodyPr/>
+          <a:lstStyle/>
+          <a:p>
+            <a:fld id="{5D135094-37A2-4EC6-86C3-0685E35C7B8D}" type="slidenum">
+              <a:rPr lang="ko-KR" altLang="en-US" smtClean="0"/>
+              <a:t>18</a:t>
+            </a:fld>
+            <a:endParaRPr lang="ko-KR" altLang="en-US"/>
+          </a:p>
+        </p:txBody>
+      </p:sp>
+    </p:spTree>
+    <p:extLst>
+      <p:ext uri="{BB962C8B-B14F-4D97-AF65-F5344CB8AC3E}">
+        <p14:creationId xmlns:p14="http://schemas.microsoft.com/office/powerpoint/2010/main" val="1261315657"/>
+      </p:ext>
+    </p:extLst>
+  </p:cSld>
+  <p:clrMapOvr>
+    <a:masterClrMapping/>
+  </p:clrMapOvr>
+</p:notes>
+</file>
+
+<file path=ppt/notesSlides/notesSlide7.xml><?xml version="1.0" encoding="utf-8"?>
+<p:notes xmlns:a="http://schemas.openxmlformats.org/drawingml/2006/main" xmlns:r="http://schemas.openxmlformats.org/officeDocument/2006/relationships" xmlns:p="http://schemas.openxmlformats.org/presentationml/2006/main">
+  <p:cSld>
+    <p:spTree>
+      <p:nvGrpSpPr>
+        <p:cNvPr id="1" name=""/>
+        <p:cNvGrpSpPr/>
+        <p:nvPr/>
+      </p:nvGrpSpPr>
+      <p:grpSpPr>
+        <a:xfrm>
+          <a:off x="0" y="0"/>
+          <a:ext cx="0" cy="0"/>
+          <a:chOff x="0" y="0"/>
+          <a:chExt cx="0" cy="0"/>
+        </a:xfrm>
+      </p:grpSpPr>
+      <p:sp>
+        <p:nvSpPr>
+          <p:cNvPr id="2" name="슬라이드 이미지 개체 틀 1"/>
+          <p:cNvSpPr>
+            <a:spLocks noGrp="1" noRot="1" noChangeAspect="1"/>
+          </p:cNvSpPr>
+          <p:nvPr>
+            <p:ph type="sldImg"/>
+          </p:nvPr>
+        </p:nvSpPr>
+        <p:spPr/>
+      </p:sp>
+      <p:sp>
+        <p:nvSpPr>
+          <p:cNvPr id="3" name="슬라이드 노트 개체 틀 2"/>
+          <p:cNvSpPr>
+            <a:spLocks noGrp="1"/>
+          </p:cNvSpPr>
+          <p:nvPr>
+            <p:ph type="body" idx="1"/>
+          </p:nvPr>
+        </p:nvSpPr>
+        <p:spPr/>
+        <p:txBody>
+          <a:bodyPr/>
+          <a:lstStyle/>
+          <a:p>
+            <a:r>
+              <a:rPr lang="ko-KR" altLang="en-US" dirty="0" err="1"/>
+              <a:t>프래그먼트</a:t>
+            </a:r>
+            <a:r>
+              <a:rPr lang="ko-KR" altLang="en-US" dirty="0"/>
+              <a:t> 오퍼레이션 </a:t>
+            </a:r>
+            <a:r>
+              <a:rPr lang="en-US" altLang="ko-KR" dirty="0"/>
+              <a:t>– </a:t>
+            </a:r>
+            <a:r>
+              <a:rPr lang="ko-KR" altLang="en-US" dirty="0" err="1"/>
+              <a:t>컬링</a:t>
+            </a:r>
+            <a:r>
+              <a:rPr lang="en-US" altLang="ko-KR" dirty="0"/>
+              <a:t>, </a:t>
+            </a:r>
+            <a:r>
+              <a:rPr lang="ko-KR" altLang="en-US" dirty="0" err="1"/>
+              <a:t>쉐이딩</a:t>
+            </a:r>
+            <a:r>
+              <a:rPr lang="en-US" altLang="ko-KR" dirty="0"/>
+              <a:t>, </a:t>
+            </a:r>
+            <a:r>
+              <a:rPr lang="ko-KR" altLang="en-US" dirty="0" err="1"/>
+              <a:t>노멀</a:t>
+            </a:r>
+            <a:r>
+              <a:rPr lang="en-US" altLang="ko-KR" dirty="0"/>
+              <a:t> </a:t>
+            </a:r>
+            <a:r>
+              <a:rPr lang="ko-KR" altLang="en-US" dirty="0" err="1"/>
+              <a:t>칼라값을</a:t>
+            </a:r>
+            <a:r>
+              <a:rPr lang="ko-KR" altLang="en-US" dirty="0"/>
+              <a:t> 이용할 수 있다</a:t>
+            </a:r>
+            <a:r>
+              <a:rPr lang="en-US" altLang="ko-KR" dirty="0"/>
+              <a:t>.</a:t>
+            </a:r>
+          </a:p>
+          <a:p>
+            <a:endParaRPr lang="en-US" altLang="ko-KR" dirty="0"/>
+          </a:p>
+          <a:p>
+            <a:r>
+              <a:rPr lang="ko-KR" altLang="en-US" dirty="0" err="1"/>
+              <a:t>프레임버퍼</a:t>
+            </a:r>
+            <a:r>
+              <a:rPr lang="ko-KR" altLang="en-US" dirty="0"/>
+              <a:t> </a:t>
+            </a:r>
+            <a:r>
+              <a:rPr lang="en-US" altLang="ko-KR" dirty="0"/>
+              <a:t>– </a:t>
+            </a:r>
+            <a:r>
+              <a:rPr lang="ko-KR" altLang="en-US" dirty="0"/>
+              <a:t>모니터가 </a:t>
+            </a:r>
+            <a:r>
+              <a:rPr lang="ko-KR" altLang="en-US" dirty="0" err="1"/>
+              <a:t>프레임버퍼에있는</a:t>
+            </a:r>
+            <a:r>
+              <a:rPr lang="ko-KR" altLang="en-US" dirty="0"/>
+              <a:t> 데이터를 긁어간다</a:t>
+            </a:r>
+            <a:r>
+              <a:rPr lang="en-US" altLang="ko-KR" dirty="0"/>
+              <a:t>.</a:t>
+            </a:r>
+          </a:p>
+        </p:txBody>
+      </p:sp>
+      <p:sp>
+        <p:nvSpPr>
+          <p:cNvPr id="4" name="슬라이드 번호 개체 틀 3"/>
+          <p:cNvSpPr>
+            <a:spLocks noGrp="1"/>
+          </p:cNvSpPr>
+          <p:nvPr>
+            <p:ph type="sldNum" sz="quarter" idx="5"/>
+          </p:nvPr>
+        </p:nvSpPr>
+        <p:spPr/>
+        <p:txBody>
+          <a:bodyPr/>
+          <a:lstStyle/>
+          <a:p>
+            <a:fld id="{5D135094-37A2-4EC6-86C3-0685E35C7B8D}" type="slidenum">
+              <a:rPr lang="ko-KR" altLang="en-US" smtClean="0"/>
+              <a:t>19</a:t>
+            </a:fld>
+            <a:endParaRPr lang="ko-KR" altLang="en-US"/>
+          </a:p>
+        </p:txBody>
+      </p:sp>
+    </p:spTree>
+    <p:extLst>
+      <p:ext uri="{BB962C8B-B14F-4D97-AF65-F5344CB8AC3E}">
+        <p14:creationId xmlns:p14="http://schemas.microsoft.com/office/powerpoint/2010/main" val="652256839"/>
+      </p:ext>
+    </p:extLst>
+  </p:cSld>
+  <p:clrMapOvr>
+    <a:masterClrMapping/>
+  </p:clrMapOvr>
+</p:notes>
+</file>
+
+<file path=ppt/notesSlides/notesSlide8.xml><?xml version="1.0" encoding="utf-8"?>
+<p:notes xmlns:a="http://schemas.openxmlformats.org/drawingml/2006/main" xmlns:r="http://schemas.openxmlformats.org/officeDocument/2006/relationships" xmlns:p="http://schemas.openxmlformats.org/presentationml/2006/main">
+  <p:cSld>
+    <p:spTree>
+      <p:nvGrpSpPr>
+        <p:cNvPr id="1" name=""/>
+        <p:cNvGrpSpPr/>
+        <p:nvPr/>
+      </p:nvGrpSpPr>
+      <p:grpSpPr>
+        <a:xfrm>
+          <a:off x="0" y="0"/>
+          <a:ext cx="0" cy="0"/>
+          <a:chOff x="0" y="0"/>
+          <a:chExt cx="0" cy="0"/>
+        </a:xfrm>
+      </p:grpSpPr>
+      <p:sp>
+        <p:nvSpPr>
+          <p:cNvPr id="2" name="슬라이드 이미지 개체 틀 1"/>
+          <p:cNvSpPr>
+            <a:spLocks noGrp="1" noRot="1" noChangeAspect="1"/>
+          </p:cNvSpPr>
+          <p:nvPr>
+            <p:ph type="sldImg"/>
+          </p:nvPr>
+        </p:nvSpPr>
+        <p:spPr/>
+      </p:sp>
+      <p:sp>
+        <p:nvSpPr>
+          <p:cNvPr id="3" name="슬라이드 노트 개체 틀 2"/>
+          <p:cNvSpPr>
+            <a:spLocks noGrp="1"/>
+          </p:cNvSpPr>
+          <p:nvPr>
+            <p:ph type="body" idx="1"/>
+          </p:nvPr>
+        </p:nvSpPr>
+        <p:spPr/>
+        <p:txBody>
+          <a:bodyPr/>
+          <a:lstStyle/>
+          <a:p>
+            <a:r>
+              <a:rPr lang="ko-KR" altLang="en-US" dirty="0"/>
+              <a:t>최초의 변화</a:t>
+            </a:r>
+            <a:endParaRPr lang="en-US" altLang="ko-KR" dirty="0"/>
+          </a:p>
+          <a:p>
+            <a:r>
+              <a:rPr lang="ko-KR" altLang="en-US" dirty="0"/>
+              <a:t>정해진 계산만 </a:t>
+            </a:r>
+            <a:r>
+              <a:rPr lang="ko-KR" altLang="en-US" dirty="0" err="1"/>
+              <a:t>할수있던거에서</a:t>
+            </a:r>
+            <a:r>
+              <a:rPr lang="ko-KR" altLang="en-US" dirty="0"/>
+              <a:t> 사용자가 원하는 계산을 할 수 있도록 바뀜</a:t>
+            </a:r>
+            <a:r>
+              <a:rPr lang="en-US" altLang="ko-KR" dirty="0"/>
+              <a:t>.</a:t>
+            </a:r>
+            <a:endParaRPr lang="ko-KR" altLang="en-US" dirty="0"/>
+          </a:p>
+        </p:txBody>
+      </p:sp>
+      <p:sp>
+        <p:nvSpPr>
+          <p:cNvPr id="4" name="슬라이드 번호 개체 틀 3"/>
+          <p:cNvSpPr>
+            <a:spLocks noGrp="1"/>
+          </p:cNvSpPr>
+          <p:nvPr>
+            <p:ph type="sldNum" sz="quarter" idx="5"/>
+          </p:nvPr>
+        </p:nvSpPr>
+        <p:spPr/>
+        <p:txBody>
+          <a:bodyPr/>
+          <a:lstStyle/>
+          <a:p>
+            <a:fld id="{5D135094-37A2-4EC6-86C3-0685E35C7B8D}" type="slidenum">
+              <a:rPr lang="ko-KR" altLang="en-US" smtClean="0"/>
+              <a:t>21</a:t>
+            </a:fld>
+            <a:endParaRPr lang="ko-KR" altLang="en-US"/>
+          </a:p>
+        </p:txBody>
+      </p:sp>
+    </p:spTree>
+    <p:extLst>
+      <p:ext uri="{BB962C8B-B14F-4D97-AF65-F5344CB8AC3E}">
+        <p14:creationId xmlns:p14="http://schemas.microsoft.com/office/powerpoint/2010/main" val="3596625766"/>
+      </p:ext>
+    </p:extLst>
+  </p:cSld>
+  <p:clrMapOvr>
+    <a:masterClrMapping/>
+  </p:clrMapOvr>
+</p:notes>
+</file>
+
+<file path=ppt/notesSlides/notesSlide9.xml><?xml version="1.0" encoding="utf-8"?>
+<p:notes xmlns:a="http://schemas.openxmlformats.org/drawingml/2006/main" xmlns:r="http://schemas.openxmlformats.org/officeDocument/2006/relationships" xmlns:p="http://schemas.openxmlformats.org/presentationml/2006/main">
+  <p:cSld>
+    <p:spTree>
+      <p:nvGrpSpPr>
+        <p:cNvPr id="1" name=""/>
+        <p:cNvGrpSpPr/>
+        <p:nvPr/>
+      </p:nvGrpSpPr>
+      <p:grpSpPr>
+        <a:xfrm>
+          <a:off x="0" y="0"/>
+          <a:ext cx="0" cy="0"/>
+          <a:chOff x="0" y="0"/>
+          <a:chExt cx="0" cy="0"/>
+        </a:xfrm>
+      </p:grpSpPr>
+      <p:sp>
+        <p:nvSpPr>
+          <p:cNvPr id="2" name="슬라이드 이미지 개체 틀 1"/>
+          <p:cNvSpPr>
+            <a:spLocks noGrp="1" noRot="1" noChangeAspect="1"/>
+          </p:cNvSpPr>
+          <p:nvPr>
+            <p:ph type="sldImg"/>
+          </p:nvPr>
+        </p:nvSpPr>
+        <p:spPr/>
+      </p:sp>
+      <p:sp>
+        <p:nvSpPr>
+          <p:cNvPr id="3" name="슬라이드 노트 개체 틀 2"/>
+          <p:cNvSpPr>
+            <a:spLocks noGrp="1"/>
+          </p:cNvSpPr>
+          <p:nvPr>
+            <p:ph type="body" idx="1"/>
+          </p:nvPr>
+        </p:nvSpPr>
+        <p:spPr/>
+        <p:txBody>
+          <a:bodyPr/>
+          <a:lstStyle/>
+          <a:p>
+            <a:r>
+              <a:rPr lang="ko-KR" altLang="en-US" dirty="0"/>
+              <a:t>외워라 </a:t>
+            </a:r>
+            <a:r>
+              <a:rPr lang="ko-KR" altLang="en-US" dirty="0" err="1"/>
+              <a:t>시험나옴</a:t>
+            </a:r>
+            <a:endParaRPr lang="en-US" altLang="ko-KR" dirty="0"/>
+          </a:p>
+          <a:p>
+            <a:endParaRPr lang="ko-KR" altLang="en-US" dirty="0"/>
+          </a:p>
+        </p:txBody>
+      </p:sp>
+      <p:sp>
+        <p:nvSpPr>
+          <p:cNvPr id="4" name="슬라이드 번호 개체 틀 3"/>
+          <p:cNvSpPr>
+            <a:spLocks noGrp="1"/>
+          </p:cNvSpPr>
+          <p:nvPr>
+            <p:ph type="sldNum" sz="quarter" idx="5"/>
+          </p:nvPr>
+        </p:nvSpPr>
+        <p:spPr/>
+        <p:txBody>
+          <a:bodyPr/>
+          <a:lstStyle/>
+          <a:p>
+            <a:fld id="{5D135094-37A2-4EC6-86C3-0685E35C7B8D}" type="slidenum">
+              <a:rPr lang="ko-KR" altLang="en-US" smtClean="0"/>
+              <a:t>25</a:t>
+            </a:fld>
+            <a:endParaRPr lang="ko-KR" altLang="en-US"/>
+          </a:p>
+        </p:txBody>
+      </p:sp>
+    </p:spTree>
+    <p:extLst>
+      <p:ext uri="{BB962C8B-B14F-4D97-AF65-F5344CB8AC3E}">
+        <p14:creationId xmlns:p14="http://schemas.microsoft.com/office/powerpoint/2010/main" val="130491280"/>
+      </p:ext>
+    </p:extLst>
+  </p:cSld>
+  <p:clrMapOvr>
+    <a:masterClrMapping/>
+  </p:clrMapOvr>
+</p:notes>
+</file>
+
 <file path=ppt/slideLayouts/slideLayout1.xml><?xml version="1.0" encoding="utf-8"?>
 <p:sldLayout xmlns:a="http://schemas.openxmlformats.org/drawingml/2006/main" xmlns:r="http://schemas.openxmlformats.org/officeDocument/2006/relationships" xmlns:p="http://schemas.openxmlformats.org/presentationml/2006/main" type="title" preserve="1">
   <p:cSld name="제목 슬라이드">
@@ -1514,7 +2479,7 @@
           <a:p>
             <a:fld id="{FB30EDBD-1C2D-4C1E-B459-B60219FAB484}" type="datetimeFigureOut">
               <a:rPr lang="ko-KR" altLang="en-US" smtClean="0"/>
-              <a:t>2019-03-06</a:t>
+              <a:t>2019-03-11</a:t>
             </a:fld>
             <a:endParaRPr lang="ko-KR" altLang="en-US"/>
           </a:p>
@@ -1677,7 +2642,7 @@
           <a:p>
             <a:fld id="{FB30EDBD-1C2D-4C1E-B459-B60219FAB484}" type="datetimeFigureOut">
               <a:rPr lang="ko-KR" altLang="en-US" smtClean="0"/>
-              <a:t>2019-03-06</a:t>
+              <a:t>2019-03-11</a:t>
             </a:fld>
             <a:endParaRPr lang="ko-KR" altLang="en-US"/>
           </a:p>
@@ -1850,7 +2815,7 @@
           <a:p>
             <a:fld id="{FB30EDBD-1C2D-4C1E-B459-B60219FAB484}" type="datetimeFigureOut">
               <a:rPr lang="ko-KR" altLang="en-US" smtClean="0"/>
-              <a:t>2019-03-06</a:t>
+              <a:t>2019-03-11</a:t>
             </a:fld>
             <a:endParaRPr lang="ko-KR" altLang="en-US"/>
           </a:p>
@@ -2013,7 +2978,7 @@
           <a:p>
             <a:fld id="{FB30EDBD-1C2D-4C1E-B459-B60219FAB484}" type="datetimeFigureOut">
               <a:rPr lang="ko-KR" altLang="en-US" smtClean="0"/>
-              <a:t>2019-03-06</a:t>
+              <a:t>2019-03-11</a:t>
             </a:fld>
             <a:endParaRPr lang="ko-KR" altLang="en-US"/>
           </a:p>
@@ -2253,7 +3218,7 @@
           <a:p>
             <a:fld id="{FB30EDBD-1C2D-4C1E-B459-B60219FAB484}" type="datetimeFigureOut">
               <a:rPr lang="ko-KR" altLang="en-US" smtClean="0"/>
-              <a:t>2019-03-06</a:t>
+              <a:t>2019-03-11</a:t>
             </a:fld>
             <a:endParaRPr lang="ko-KR" altLang="en-US"/>
           </a:p>
@@ -2533,7 +3498,7 @@
           <a:p>
             <a:fld id="{FB30EDBD-1C2D-4C1E-B459-B60219FAB484}" type="datetimeFigureOut">
               <a:rPr lang="ko-KR" altLang="en-US" smtClean="0"/>
-              <a:t>2019-03-06</a:t>
+              <a:t>2019-03-11</a:t>
             </a:fld>
             <a:endParaRPr lang="ko-KR" altLang="en-US"/>
           </a:p>
@@ -2947,7 +3912,7 @@
           <a:p>
             <a:fld id="{FB30EDBD-1C2D-4C1E-B459-B60219FAB484}" type="datetimeFigureOut">
               <a:rPr lang="ko-KR" altLang="en-US" smtClean="0"/>
-              <a:t>2019-03-06</a:t>
+              <a:t>2019-03-11</a:t>
             </a:fld>
             <a:endParaRPr lang="ko-KR" altLang="en-US"/>
           </a:p>
@@ -3059,7 +4024,7 @@
           <a:p>
             <a:fld id="{FB30EDBD-1C2D-4C1E-B459-B60219FAB484}" type="datetimeFigureOut">
               <a:rPr lang="ko-KR" altLang="en-US" smtClean="0"/>
-              <a:t>2019-03-06</a:t>
+              <a:t>2019-03-11</a:t>
             </a:fld>
             <a:endParaRPr lang="ko-KR" altLang="en-US"/>
           </a:p>
@@ -3149,7 +4114,7 @@
           <a:p>
             <a:fld id="{FB30EDBD-1C2D-4C1E-B459-B60219FAB484}" type="datetimeFigureOut">
               <a:rPr lang="ko-KR" altLang="en-US" smtClean="0"/>
-              <a:t>2019-03-06</a:t>
+              <a:t>2019-03-11</a:t>
             </a:fld>
             <a:endParaRPr lang="ko-KR" altLang="en-US"/>
           </a:p>
@@ -3419,7 +4384,7 @@
           <a:p>
             <a:fld id="{FB30EDBD-1C2D-4C1E-B459-B60219FAB484}" type="datetimeFigureOut">
               <a:rPr lang="ko-KR" altLang="en-US" smtClean="0"/>
-              <a:t>2019-03-06</a:t>
+              <a:t>2019-03-11</a:t>
             </a:fld>
             <a:endParaRPr lang="ko-KR" altLang="en-US"/>
           </a:p>
@@ -3666,7 +4631,7 @@
           <a:p>
             <a:fld id="{FB30EDBD-1C2D-4C1E-B459-B60219FAB484}" type="datetimeFigureOut">
               <a:rPr lang="ko-KR" altLang="en-US" smtClean="0"/>
-              <a:t>2019-03-06</a:t>
+              <a:t>2019-03-11</a:t>
             </a:fld>
             <a:endParaRPr lang="ko-KR" altLang="en-US"/>
           </a:p>
@@ -3872,7 +4837,7 @@
           <a:p>
             <a:fld id="{FB30EDBD-1C2D-4C1E-B459-B60219FAB484}" type="datetimeFigureOut">
               <a:rPr lang="ko-KR" altLang="en-US" smtClean="0"/>
-              <a:t>2019-03-06</a:t>
+              <a:t>2019-03-11</a:t>
             </a:fld>
             <a:endParaRPr lang="ko-KR" altLang="en-US"/>
           </a:p>
